--- a/Проект4_Этап1.pptx
+++ b/Проект4_Этап1.pptx
@@ -143,7 +143,7 @@
           <p:cNvPr id="2" name="Заголовок 1">
             <a:extLst>
               <a:ext uri="{FF2B5EF4-FFF2-40B4-BE49-F238E27FC236}">
-                <a16:creationId xmlns:a16="http://schemas.microsoft.com/office/drawing/2014/main" xmlns="" id="{37AAC72E-9B48-43D4-88B1-EE00CFE3CCC4}"/>
+                <a16:creationId xmlns:a16="http://schemas.microsoft.com/office/drawing/2014/main" id="{37AAC72E-9B48-43D4-88B1-EE00CFE3CCC4}"/>
               </a:ext>
             </a:extLst>
           </p:cNvPr>
@@ -180,7 +180,7 @@
           <p:cNvPr id="3" name="Подзаголовок 2">
             <a:extLst>
               <a:ext uri="{FF2B5EF4-FFF2-40B4-BE49-F238E27FC236}">
-                <a16:creationId xmlns:a16="http://schemas.microsoft.com/office/drawing/2014/main" xmlns="" id="{9F563D54-D7A8-4851-944B-B6F03BED197F}"/>
+                <a16:creationId xmlns:a16="http://schemas.microsoft.com/office/drawing/2014/main" id="{9F563D54-D7A8-4851-944B-B6F03BED197F}"/>
               </a:ext>
             </a:extLst>
           </p:cNvPr>
@@ -250,7 +250,7 @@
           <p:cNvPr id="4" name="Дата 3">
             <a:extLst>
               <a:ext uri="{FF2B5EF4-FFF2-40B4-BE49-F238E27FC236}">
-                <a16:creationId xmlns:a16="http://schemas.microsoft.com/office/drawing/2014/main" xmlns="" id="{B5576B35-C3C5-4D01-A6FE-FFC32CE6A963}"/>
+                <a16:creationId xmlns:a16="http://schemas.microsoft.com/office/drawing/2014/main" id="{B5576B35-C3C5-4D01-A6FE-FFC32CE6A963}"/>
               </a:ext>
             </a:extLst>
           </p:cNvPr>
@@ -268,7 +268,7 @@
           <a:p>
             <a:fld id="{2EC7E9BE-4148-447C-A64C-A4FBC07E1971}" type="datetimeFigureOut">
               <a:rPr lang="ru-RU" smtClean="0"/>
-              <a:t>26.10.2018</a:t>
+              <a:t>31.10.2018</a:t>
             </a:fld>
             <a:endParaRPr lang="ru-RU"/>
           </a:p>
@@ -279,7 +279,7 @@
           <p:cNvPr id="5" name="Нижний колонтитул 4">
             <a:extLst>
               <a:ext uri="{FF2B5EF4-FFF2-40B4-BE49-F238E27FC236}">
-                <a16:creationId xmlns:a16="http://schemas.microsoft.com/office/drawing/2014/main" xmlns="" id="{19C5056A-6893-4E4F-BAA6-E1C698F6E75C}"/>
+                <a16:creationId xmlns:a16="http://schemas.microsoft.com/office/drawing/2014/main" id="{19C5056A-6893-4E4F-BAA6-E1C698F6E75C}"/>
               </a:ext>
             </a:extLst>
           </p:cNvPr>
@@ -304,7 +304,7 @@
           <p:cNvPr id="6" name="Номер слайда 5">
             <a:extLst>
               <a:ext uri="{FF2B5EF4-FFF2-40B4-BE49-F238E27FC236}">
-                <a16:creationId xmlns:a16="http://schemas.microsoft.com/office/drawing/2014/main" xmlns="" id="{74ECA4E2-6130-47A1-A3F3-C05F3ECAC5B9}"/>
+                <a16:creationId xmlns:a16="http://schemas.microsoft.com/office/drawing/2014/main" id="{74ECA4E2-6130-47A1-A3F3-C05F3ECAC5B9}"/>
               </a:ext>
             </a:extLst>
           </p:cNvPr>
@@ -363,7 +363,7 @@
           <p:cNvPr id="2" name="Заголовок 1">
             <a:extLst>
               <a:ext uri="{FF2B5EF4-FFF2-40B4-BE49-F238E27FC236}">
-                <a16:creationId xmlns:a16="http://schemas.microsoft.com/office/drawing/2014/main" xmlns="" id="{DDEEB63D-D0F4-41A2-9933-FD773F18F23C}"/>
+                <a16:creationId xmlns:a16="http://schemas.microsoft.com/office/drawing/2014/main" id="{DDEEB63D-D0F4-41A2-9933-FD773F18F23C}"/>
               </a:ext>
             </a:extLst>
           </p:cNvPr>
@@ -391,7 +391,7 @@
           <p:cNvPr id="3" name="Вертикальный текст 2">
             <a:extLst>
               <a:ext uri="{FF2B5EF4-FFF2-40B4-BE49-F238E27FC236}">
-                <a16:creationId xmlns:a16="http://schemas.microsoft.com/office/drawing/2014/main" xmlns="" id="{7DC669EB-3CCD-4257-9724-A67F09A8FA3F}"/>
+                <a16:creationId xmlns:a16="http://schemas.microsoft.com/office/drawing/2014/main" id="{7DC669EB-3CCD-4257-9724-A67F09A8FA3F}"/>
               </a:ext>
             </a:extLst>
           </p:cNvPr>
@@ -448,7 +448,7 @@
           <p:cNvPr id="4" name="Дата 3">
             <a:extLst>
               <a:ext uri="{FF2B5EF4-FFF2-40B4-BE49-F238E27FC236}">
-                <a16:creationId xmlns:a16="http://schemas.microsoft.com/office/drawing/2014/main" xmlns="" id="{B8A1C5A9-B235-4D0C-8A96-1CAD6E2FCF19}"/>
+                <a16:creationId xmlns:a16="http://schemas.microsoft.com/office/drawing/2014/main" id="{B8A1C5A9-B235-4D0C-8A96-1CAD6E2FCF19}"/>
               </a:ext>
             </a:extLst>
           </p:cNvPr>
@@ -466,7 +466,7 @@
           <a:p>
             <a:fld id="{2EC7E9BE-4148-447C-A64C-A4FBC07E1971}" type="datetimeFigureOut">
               <a:rPr lang="ru-RU" smtClean="0"/>
-              <a:t>26.10.2018</a:t>
+              <a:t>31.10.2018</a:t>
             </a:fld>
             <a:endParaRPr lang="ru-RU"/>
           </a:p>
@@ -477,7 +477,7 @@
           <p:cNvPr id="5" name="Нижний колонтитул 4">
             <a:extLst>
               <a:ext uri="{FF2B5EF4-FFF2-40B4-BE49-F238E27FC236}">
-                <a16:creationId xmlns:a16="http://schemas.microsoft.com/office/drawing/2014/main" xmlns="" id="{5C854501-2318-4167-8275-D65B664B9B6A}"/>
+                <a16:creationId xmlns:a16="http://schemas.microsoft.com/office/drawing/2014/main" id="{5C854501-2318-4167-8275-D65B664B9B6A}"/>
               </a:ext>
             </a:extLst>
           </p:cNvPr>
@@ -502,7 +502,7 @@
           <p:cNvPr id="6" name="Номер слайда 5">
             <a:extLst>
               <a:ext uri="{FF2B5EF4-FFF2-40B4-BE49-F238E27FC236}">
-                <a16:creationId xmlns:a16="http://schemas.microsoft.com/office/drawing/2014/main" xmlns="" id="{B6D1576E-25CA-48C7-B380-8DC761429677}"/>
+                <a16:creationId xmlns:a16="http://schemas.microsoft.com/office/drawing/2014/main" id="{B6D1576E-25CA-48C7-B380-8DC761429677}"/>
               </a:ext>
             </a:extLst>
           </p:cNvPr>
@@ -561,7 +561,7 @@
           <p:cNvPr id="2" name="Вертикальный заголовок 1">
             <a:extLst>
               <a:ext uri="{FF2B5EF4-FFF2-40B4-BE49-F238E27FC236}">
-                <a16:creationId xmlns:a16="http://schemas.microsoft.com/office/drawing/2014/main" xmlns="" id="{306E7BD1-1046-4948-AFB7-C36D2C3241AA}"/>
+                <a16:creationId xmlns:a16="http://schemas.microsoft.com/office/drawing/2014/main" id="{306E7BD1-1046-4948-AFB7-C36D2C3241AA}"/>
               </a:ext>
             </a:extLst>
           </p:cNvPr>
@@ -594,7 +594,7 @@
           <p:cNvPr id="3" name="Вертикальный текст 2">
             <a:extLst>
               <a:ext uri="{FF2B5EF4-FFF2-40B4-BE49-F238E27FC236}">
-                <a16:creationId xmlns:a16="http://schemas.microsoft.com/office/drawing/2014/main" xmlns="" id="{D9BDB8AD-4AE3-420B-96CF-CFA539C7F726}"/>
+                <a16:creationId xmlns:a16="http://schemas.microsoft.com/office/drawing/2014/main" id="{D9BDB8AD-4AE3-420B-96CF-CFA539C7F726}"/>
               </a:ext>
             </a:extLst>
           </p:cNvPr>
@@ -656,7 +656,7 @@
           <p:cNvPr id="4" name="Дата 3">
             <a:extLst>
               <a:ext uri="{FF2B5EF4-FFF2-40B4-BE49-F238E27FC236}">
-                <a16:creationId xmlns:a16="http://schemas.microsoft.com/office/drawing/2014/main" xmlns="" id="{5D58F5F0-2BEA-4584-A87E-AD569765D92E}"/>
+                <a16:creationId xmlns:a16="http://schemas.microsoft.com/office/drawing/2014/main" id="{5D58F5F0-2BEA-4584-A87E-AD569765D92E}"/>
               </a:ext>
             </a:extLst>
           </p:cNvPr>
@@ -674,7 +674,7 @@
           <a:p>
             <a:fld id="{2EC7E9BE-4148-447C-A64C-A4FBC07E1971}" type="datetimeFigureOut">
               <a:rPr lang="ru-RU" smtClean="0"/>
-              <a:t>26.10.2018</a:t>
+              <a:t>31.10.2018</a:t>
             </a:fld>
             <a:endParaRPr lang="ru-RU"/>
           </a:p>
@@ -685,7 +685,7 @@
           <p:cNvPr id="5" name="Нижний колонтитул 4">
             <a:extLst>
               <a:ext uri="{FF2B5EF4-FFF2-40B4-BE49-F238E27FC236}">
-                <a16:creationId xmlns:a16="http://schemas.microsoft.com/office/drawing/2014/main" xmlns="" id="{201932E8-1A7F-4FE2-BAC8-E021E8906DE3}"/>
+                <a16:creationId xmlns:a16="http://schemas.microsoft.com/office/drawing/2014/main" id="{201932E8-1A7F-4FE2-BAC8-E021E8906DE3}"/>
               </a:ext>
             </a:extLst>
           </p:cNvPr>
@@ -710,7 +710,7 @@
           <p:cNvPr id="6" name="Номер слайда 5">
             <a:extLst>
               <a:ext uri="{FF2B5EF4-FFF2-40B4-BE49-F238E27FC236}">
-                <a16:creationId xmlns:a16="http://schemas.microsoft.com/office/drawing/2014/main" xmlns="" id="{697699C2-98FF-4D8C-BCDD-E0831174298E}"/>
+                <a16:creationId xmlns:a16="http://schemas.microsoft.com/office/drawing/2014/main" id="{697699C2-98FF-4D8C-BCDD-E0831174298E}"/>
               </a:ext>
             </a:extLst>
           </p:cNvPr>
@@ -769,7 +769,7 @@
           <p:cNvPr id="2" name="Заголовок 1">
             <a:extLst>
               <a:ext uri="{FF2B5EF4-FFF2-40B4-BE49-F238E27FC236}">
-                <a16:creationId xmlns:a16="http://schemas.microsoft.com/office/drawing/2014/main" xmlns="" id="{2AF7426E-2E09-4EF8-B088-807C2D087101}"/>
+                <a16:creationId xmlns:a16="http://schemas.microsoft.com/office/drawing/2014/main" id="{2AF7426E-2E09-4EF8-B088-807C2D087101}"/>
               </a:ext>
             </a:extLst>
           </p:cNvPr>
@@ -797,7 +797,7 @@
           <p:cNvPr id="3" name="Объект 2">
             <a:extLst>
               <a:ext uri="{FF2B5EF4-FFF2-40B4-BE49-F238E27FC236}">
-                <a16:creationId xmlns:a16="http://schemas.microsoft.com/office/drawing/2014/main" xmlns="" id="{6EC82055-2747-42B5-AAA4-7B9E3886B44F}"/>
+                <a16:creationId xmlns:a16="http://schemas.microsoft.com/office/drawing/2014/main" id="{6EC82055-2747-42B5-AAA4-7B9E3886B44F}"/>
               </a:ext>
             </a:extLst>
           </p:cNvPr>
@@ -854,7 +854,7 @@
           <p:cNvPr id="4" name="Дата 3">
             <a:extLst>
               <a:ext uri="{FF2B5EF4-FFF2-40B4-BE49-F238E27FC236}">
-                <a16:creationId xmlns:a16="http://schemas.microsoft.com/office/drawing/2014/main" xmlns="" id="{D6A2A79F-1C94-48D8-92E5-250E0D17572E}"/>
+                <a16:creationId xmlns:a16="http://schemas.microsoft.com/office/drawing/2014/main" id="{D6A2A79F-1C94-48D8-92E5-250E0D17572E}"/>
               </a:ext>
             </a:extLst>
           </p:cNvPr>
@@ -872,7 +872,7 @@
           <a:p>
             <a:fld id="{2EC7E9BE-4148-447C-A64C-A4FBC07E1971}" type="datetimeFigureOut">
               <a:rPr lang="ru-RU" smtClean="0"/>
-              <a:t>26.10.2018</a:t>
+              <a:t>31.10.2018</a:t>
             </a:fld>
             <a:endParaRPr lang="ru-RU"/>
           </a:p>
@@ -883,7 +883,7 @@
           <p:cNvPr id="5" name="Нижний колонтитул 4">
             <a:extLst>
               <a:ext uri="{FF2B5EF4-FFF2-40B4-BE49-F238E27FC236}">
-                <a16:creationId xmlns:a16="http://schemas.microsoft.com/office/drawing/2014/main" xmlns="" id="{C378376F-B1C3-4ADF-AD14-6B7E6FB1A7BD}"/>
+                <a16:creationId xmlns:a16="http://schemas.microsoft.com/office/drawing/2014/main" id="{C378376F-B1C3-4ADF-AD14-6B7E6FB1A7BD}"/>
               </a:ext>
             </a:extLst>
           </p:cNvPr>
@@ -908,7 +908,7 @@
           <p:cNvPr id="6" name="Номер слайда 5">
             <a:extLst>
               <a:ext uri="{FF2B5EF4-FFF2-40B4-BE49-F238E27FC236}">
-                <a16:creationId xmlns:a16="http://schemas.microsoft.com/office/drawing/2014/main" xmlns="" id="{C2FABAB6-D77A-44BD-B2CF-B78128E02517}"/>
+                <a16:creationId xmlns:a16="http://schemas.microsoft.com/office/drawing/2014/main" id="{C2FABAB6-D77A-44BD-B2CF-B78128E02517}"/>
               </a:ext>
             </a:extLst>
           </p:cNvPr>
@@ -967,7 +967,7 @@
           <p:cNvPr id="2" name="Заголовок 1">
             <a:extLst>
               <a:ext uri="{FF2B5EF4-FFF2-40B4-BE49-F238E27FC236}">
-                <a16:creationId xmlns:a16="http://schemas.microsoft.com/office/drawing/2014/main" xmlns="" id="{87E4AB57-71D7-428A-9612-88B7CBAD0E2D}"/>
+                <a16:creationId xmlns:a16="http://schemas.microsoft.com/office/drawing/2014/main" id="{87E4AB57-71D7-428A-9612-88B7CBAD0E2D}"/>
               </a:ext>
             </a:extLst>
           </p:cNvPr>
@@ -1004,7 +1004,7 @@
           <p:cNvPr id="3" name="Текст 2">
             <a:extLst>
               <a:ext uri="{FF2B5EF4-FFF2-40B4-BE49-F238E27FC236}">
-                <a16:creationId xmlns:a16="http://schemas.microsoft.com/office/drawing/2014/main" xmlns="" id="{177778B1-AB1A-4C4F-8A7D-9B364D328EAD}"/>
+                <a16:creationId xmlns:a16="http://schemas.microsoft.com/office/drawing/2014/main" id="{177778B1-AB1A-4C4F-8A7D-9B364D328EAD}"/>
               </a:ext>
             </a:extLst>
           </p:cNvPr>
@@ -1129,7 +1129,7 @@
           <p:cNvPr id="4" name="Дата 3">
             <a:extLst>
               <a:ext uri="{FF2B5EF4-FFF2-40B4-BE49-F238E27FC236}">
-                <a16:creationId xmlns:a16="http://schemas.microsoft.com/office/drawing/2014/main" xmlns="" id="{7D82440A-A7A6-49A4-B86F-1525D3855569}"/>
+                <a16:creationId xmlns:a16="http://schemas.microsoft.com/office/drawing/2014/main" id="{7D82440A-A7A6-49A4-B86F-1525D3855569}"/>
               </a:ext>
             </a:extLst>
           </p:cNvPr>
@@ -1147,7 +1147,7 @@
           <a:p>
             <a:fld id="{2EC7E9BE-4148-447C-A64C-A4FBC07E1971}" type="datetimeFigureOut">
               <a:rPr lang="ru-RU" smtClean="0"/>
-              <a:t>26.10.2018</a:t>
+              <a:t>31.10.2018</a:t>
             </a:fld>
             <a:endParaRPr lang="ru-RU"/>
           </a:p>
@@ -1158,7 +1158,7 @@
           <p:cNvPr id="5" name="Нижний колонтитул 4">
             <a:extLst>
               <a:ext uri="{FF2B5EF4-FFF2-40B4-BE49-F238E27FC236}">
-                <a16:creationId xmlns:a16="http://schemas.microsoft.com/office/drawing/2014/main" xmlns="" id="{9ADFD7FA-EC12-4772-BCBF-5AFA51CA6FDF}"/>
+                <a16:creationId xmlns:a16="http://schemas.microsoft.com/office/drawing/2014/main" id="{9ADFD7FA-EC12-4772-BCBF-5AFA51CA6FDF}"/>
               </a:ext>
             </a:extLst>
           </p:cNvPr>
@@ -1183,7 +1183,7 @@
           <p:cNvPr id="6" name="Номер слайда 5">
             <a:extLst>
               <a:ext uri="{FF2B5EF4-FFF2-40B4-BE49-F238E27FC236}">
-                <a16:creationId xmlns:a16="http://schemas.microsoft.com/office/drawing/2014/main" xmlns="" id="{434F16E1-65E4-4682-94AC-AACEAEEB9ECB}"/>
+                <a16:creationId xmlns:a16="http://schemas.microsoft.com/office/drawing/2014/main" id="{434F16E1-65E4-4682-94AC-AACEAEEB9ECB}"/>
               </a:ext>
             </a:extLst>
           </p:cNvPr>
@@ -1242,7 +1242,7 @@
           <p:cNvPr id="2" name="Заголовок 1">
             <a:extLst>
               <a:ext uri="{FF2B5EF4-FFF2-40B4-BE49-F238E27FC236}">
-                <a16:creationId xmlns:a16="http://schemas.microsoft.com/office/drawing/2014/main" xmlns="" id="{421484CA-69FF-4877-8338-032939A493E3}"/>
+                <a16:creationId xmlns:a16="http://schemas.microsoft.com/office/drawing/2014/main" id="{421484CA-69FF-4877-8338-032939A493E3}"/>
               </a:ext>
             </a:extLst>
           </p:cNvPr>
@@ -1270,7 +1270,7 @@
           <p:cNvPr id="3" name="Объект 2">
             <a:extLst>
               <a:ext uri="{FF2B5EF4-FFF2-40B4-BE49-F238E27FC236}">
-                <a16:creationId xmlns:a16="http://schemas.microsoft.com/office/drawing/2014/main" xmlns="" id="{6DD1A822-782C-4B47-8FA8-BC047EAE0C29}"/>
+                <a16:creationId xmlns:a16="http://schemas.microsoft.com/office/drawing/2014/main" id="{6DD1A822-782C-4B47-8FA8-BC047EAE0C29}"/>
               </a:ext>
             </a:extLst>
           </p:cNvPr>
@@ -1332,7 +1332,7 @@
           <p:cNvPr id="4" name="Объект 3">
             <a:extLst>
               <a:ext uri="{FF2B5EF4-FFF2-40B4-BE49-F238E27FC236}">
-                <a16:creationId xmlns:a16="http://schemas.microsoft.com/office/drawing/2014/main" xmlns="" id="{1B95EA82-B7E7-48F6-A21E-B25EE8A32B4C}"/>
+                <a16:creationId xmlns:a16="http://schemas.microsoft.com/office/drawing/2014/main" id="{1B95EA82-B7E7-48F6-A21E-B25EE8A32B4C}"/>
               </a:ext>
             </a:extLst>
           </p:cNvPr>
@@ -1394,7 +1394,7 @@
           <p:cNvPr id="5" name="Дата 4">
             <a:extLst>
               <a:ext uri="{FF2B5EF4-FFF2-40B4-BE49-F238E27FC236}">
-                <a16:creationId xmlns:a16="http://schemas.microsoft.com/office/drawing/2014/main" xmlns="" id="{D13DF823-F1FC-4C56-B473-DCF31310812B}"/>
+                <a16:creationId xmlns:a16="http://schemas.microsoft.com/office/drawing/2014/main" id="{D13DF823-F1FC-4C56-B473-DCF31310812B}"/>
               </a:ext>
             </a:extLst>
           </p:cNvPr>
@@ -1412,7 +1412,7 @@
           <a:p>
             <a:fld id="{2EC7E9BE-4148-447C-A64C-A4FBC07E1971}" type="datetimeFigureOut">
               <a:rPr lang="ru-RU" smtClean="0"/>
-              <a:t>26.10.2018</a:t>
+              <a:t>31.10.2018</a:t>
             </a:fld>
             <a:endParaRPr lang="ru-RU"/>
           </a:p>
@@ -1423,7 +1423,7 @@
           <p:cNvPr id="6" name="Нижний колонтитул 5">
             <a:extLst>
               <a:ext uri="{FF2B5EF4-FFF2-40B4-BE49-F238E27FC236}">
-                <a16:creationId xmlns:a16="http://schemas.microsoft.com/office/drawing/2014/main" xmlns="" id="{C546C2DC-959E-43CD-8750-3A9C1FA65E5B}"/>
+                <a16:creationId xmlns:a16="http://schemas.microsoft.com/office/drawing/2014/main" id="{C546C2DC-959E-43CD-8750-3A9C1FA65E5B}"/>
               </a:ext>
             </a:extLst>
           </p:cNvPr>
@@ -1448,7 +1448,7 @@
           <p:cNvPr id="7" name="Номер слайда 6">
             <a:extLst>
               <a:ext uri="{FF2B5EF4-FFF2-40B4-BE49-F238E27FC236}">
-                <a16:creationId xmlns:a16="http://schemas.microsoft.com/office/drawing/2014/main" xmlns="" id="{6AFEBFE4-E38D-420A-8E9F-6FD225425A91}"/>
+                <a16:creationId xmlns:a16="http://schemas.microsoft.com/office/drawing/2014/main" id="{6AFEBFE4-E38D-420A-8E9F-6FD225425A91}"/>
               </a:ext>
             </a:extLst>
           </p:cNvPr>
@@ -1507,7 +1507,7 @@
           <p:cNvPr id="2" name="Заголовок 1">
             <a:extLst>
               <a:ext uri="{FF2B5EF4-FFF2-40B4-BE49-F238E27FC236}">
-                <a16:creationId xmlns:a16="http://schemas.microsoft.com/office/drawing/2014/main" xmlns="" id="{E9EB6ABD-75C2-4970-8A3B-54DFBF6218FE}"/>
+                <a16:creationId xmlns:a16="http://schemas.microsoft.com/office/drawing/2014/main" id="{E9EB6ABD-75C2-4970-8A3B-54DFBF6218FE}"/>
               </a:ext>
             </a:extLst>
           </p:cNvPr>
@@ -1540,7 +1540,7 @@
           <p:cNvPr id="3" name="Текст 2">
             <a:extLst>
               <a:ext uri="{FF2B5EF4-FFF2-40B4-BE49-F238E27FC236}">
-                <a16:creationId xmlns:a16="http://schemas.microsoft.com/office/drawing/2014/main" xmlns="" id="{B89DABFB-3A8F-4ADF-9197-CC97EBFEEEE7}"/>
+                <a16:creationId xmlns:a16="http://schemas.microsoft.com/office/drawing/2014/main" id="{B89DABFB-3A8F-4ADF-9197-CC97EBFEEEE7}"/>
               </a:ext>
             </a:extLst>
           </p:cNvPr>
@@ -1611,7 +1611,7 @@
           <p:cNvPr id="4" name="Объект 3">
             <a:extLst>
               <a:ext uri="{FF2B5EF4-FFF2-40B4-BE49-F238E27FC236}">
-                <a16:creationId xmlns:a16="http://schemas.microsoft.com/office/drawing/2014/main" xmlns="" id="{DDB1B915-C816-4329-AC04-7B132211B933}"/>
+                <a16:creationId xmlns:a16="http://schemas.microsoft.com/office/drawing/2014/main" id="{DDB1B915-C816-4329-AC04-7B132211B933}"/>
               </a:ext>
             </a:extLst>
           </p:cNvPr>
@@ -1673,7 +1673,7 @@
           <p:cNvPr id="5" name="Текст 4">
             <a:extLst>
               <a:ext uri="{FF2B5EF4-FFF2-40B4-BE49-F238E27FC236}">
-                <a16:creationId xmlns:a16="http://schemas.microsoft.com/office/drawing/2014/main" xmlns="" id="{F1A1CFC8-C0CB-4D7F-9B1D-F5025D928A80}"/>
+                <a16:creationId xmlns:a16="http://schemas.microsoft.com/office/drawing/2014/main" id="{F1A1CFC8-C0CB-4D7F-9B1D-F5025D928A80}"/>
               </a:ext>
             </a:extLst>
           </p:cNvPr>
@@ -1744,7 +1744,7 @@
           <p:cNvPr id="6" name="Объект 5">
             <a:extLst>
               <a:ext uri="{FF2B5EF4-FFF2-40B4-BE49-F238E27FC236}">
-                <a16:creationId xmlns:a16="http://schemas.microsoft.com/office/drawing/2014/main" xmlns="" id="{58BF7BA3-CFE4-4B90-9185-CA00062AD960}"/>
+                <a16:creationId xmlns:a16="http://schemas.microsoft.com/office/drawing/2014/main" id="{58BF7BA3-CFE4-4B90-9185-CA00062AD960}"/>
               </a:ext>
             </a:extLst>
           </p:cNvPr>
@@ -1806,7 +1806,7 @@
           <p:cNvPr id="7" name="Дата 6">
             <a:extLst>
               <a:ext uri="{FF2B5EF4-FFF2-40B4-BE49-F238E27FC236}">
-                <a16:creationId xmlns:a16="http://schemas.microsoft.com/office/drawing/2014/main" xmlns="" id="{E2AEDADC-FA50-44E7-87BE-E79E3C33F0B6}"/>
+                <a16:creationId xmlns:a16="http://schemas.microsoft.com/office/drawing/2014/main" id="{E2AEDADC-FA50-44E7-87BE-E79E3C33F0B6}"/>
               </a:ext>
             </a:extLst>
           </p:cNvPr>
@@ -1824,7 +1824,7 @@
           <a:p>
             <a:fld id="{2EC7E9BE-4148-447C-A64C-A4FBC07E1971}" type="datetimeFigureOut">
               <a:rPr lang="ru-RU" smtClean="0"/>
-              <a:t>26.10.2018</a:t>
+              <a:t>31.10.2018</a:t>
             </a:fld>
             <a:endParaRPr lang="ru-RU"/>
           </a:p>
@@ -1835,7 +1835,7 @@
           <p:cNvPr id="8" name="Нижний колонтитул 7">
             <a:extLst>
               <a:ext uri="{FF2B5EF4-FFF2-40B4-BE49-F238E27FC236}">
-                <a16:creationId xmlns:a16="http://schemas.microsoft.com/office/drawing/2014/main" xmlns="" id="{7D4A3FE3-CC5A-40E9-9136-8837A65FE783}"/>
+                <a16:creationId xmlns:a16="http://schemas.microsoft.com/office/drawing/2014/main" id="{7D4A3FE3-CC5A-40E9-9136-8837A65FE783}"/>
               </a:ext>
             </a:extLst>
           </p:cNvPr>
@@ -1860,7 +1860,7 @@
           <p:cNvPr id="9" name="Номер слайда 8">
             <a:extLst>
               <a:ext uri="{FF2B5EF4-FFF2-40B4-BE49-F238E27FC236}">
-                <a16:creationId xmlns:a16="http://schemas.microsoft.com/office/drawing/2014/main" xmlns="" id="{EC013217-97B9-4133-82D4-BCB08F77F66B}"/>
+                <a16:creationId xmlns:a16="http://schemas.microsoft.com/office/drawing/2014/main" id="{EC013217-97B9-4133-82D4-BCB08F77F66B}"/>
               </a:ext>
             </a:extLst>
           </p:cNvPr>
@@ -1919,7 +1919,7 @@
           <p:cNvPr id="2" name="Заголовок 1">
             <a:extLst>
               <a:ext uri="{FF2B5EF4-FFF2-40B4-BE49-F238E27FC236}">
-                <a16:creationId xmlns:a16="http://schemas.microsoft.com/office/drawing/2014/main" xmlns="" id="{4726DD80-5224-41D0-A062-EAED6EEF7581}"/>
+                <a16:creationId xmlns:a16="http://schemas.microsoft.com/office/drawing/2014/main" id="{4726DD80-5224-41D0-A062-EAED6EEF7581}"/>
               </a:ext>
             </a:extLst>
           </p:cNvPr>
@@ -1947,7 +1947,7 @@
           <p:cNvPr id="3" name="Дата 2">
             <a:extLst>
               <a:ext uri="{FF2B5EF4-FFF2-40B4-BE49-F238E27FC236}">
-                <a16:creationId xmlns:a16="http://schemas.microsoft.com/office/drawing/2014/main" xmlns="" id="{3E8CCFB0-9D02-4784-B5FF-974F8E38C2A6}"/>
+                <a16:creationId xmlns:a16="http://schemas.microsoft.com/office/drawing/2014/main" id="{3E8CCFB0-9D02-4784-B5FF-974F8E38C2A6}"/>
               </a:ext>
             </a:extLst>
           </p:cNvPr>
@@ -1965,7 +1965,7 @@
           <a:p>
             <a:fld id="{2EC7E9BE-4148-447C-A64C-A4FBC07E1971}" type="datetimeFigureOut">
               <a:rPr lang="ru-RU" smtClean="0"/>
-              <a:t>26.10.2018</a:t>
+              <a:t>31.10.2018</a:t>
             </a:fld>
             <a:endParaRPr lang="ru-RU"/>
           </a:p>
@@ -1976,7 +1976,7 @@
           <p:cNvPr id="4" name="Нижний колонтитул 3">
             <a:extLst>
               <a:ext uri="{FF2B5EF4-FFF2-40B4-BE49-F238E27FC236}">
-                <a16:creationId xmlns:a16="http://schemas.microsoft.com/office/drawing/2014/main" xmlns="" id="{47E6AF0F-4CE2-4FCF-9D83-39383E8F6D8F}"/>
+                <a16:creationId xmlns:a16="http://schemas.microsoft.com/office/drawing/2014/main" id="{47E6AF0F-4CE2-4FCF-9D83-39383E8F6D8F}"/>
               </a:ext>
             </a:extLst>
           </p:cNvPr>
@@ -2001,7 +2001,7 @@
           <p:cNvPr id="5" name="Номер слайда 4">
             <a:extLst>
               <a:ext uri="{FF2B5EF4-FFF2-40B4-BE49-F238E27FC236}">
-                <a16:creationId xmlns:a16="http://schemas.microsoft.com/office/drawing/2014/main" xmlns="" id="{85736BA0-C72D-480D-AA4D-E539B0A99756}"/>
+                <a16:creationId xmlns:a16="http://schemas.microsoft.com/office/drawing/2014/main" id="{85736BA0-C72D-480D-AA4D-E539B0A99756}"/>
               </a:ext>
             </a:extLst>
           </p:cNvPr>
@@ -2060,7 +2060,7 @@
           <p:cNvPr id="2" name="Дата 1">
             <a:extLst>
               <a:ext uri="{FF2B5EF4-FFF2-40B4-BE49-F238E27FC236}">
-                <a16:creationId xmlns:a16="http://schemas.microsoft.com/office/drawing/2014/main" xmlns="" id="{3E5C2C0E-D6C8-4E62-9377-BB849A6C5B29}"/>
+                <a16:creationId xmlns:a16="http://schemas.microsoft.com/office/drawing/2014/main" id="{3E5C2C0E-D6C8-4E62-9377-BB849A6C5B29}"/>
               </a:ext>
             </a:extLst>
           </p:cNvPr>
@@ -2078,7 +2078,7 @@
           <a:p>
             <a:fld id="{2EC7E9BE-4148-447C-A64C-A4FBC07E1971}" type="datetimeFigureOut">
               <a:rPr lang="ru-RU" smtClean="0"/>
-              <a:t>26.10.2018</a:t>
+              <a:t>31.10.2018</a:t>
             </a:fld>
             <a:endParaRPr lang="ru-RU"/>
           </a:p>
@@ -2089,7 +2089,7 @@
           <p:cNvPr id="3" name="Нижний колонтитул 2">
             <a:extLst>
               <a:ext uri="{FF2B5EF4-FFF2-40B4-BE49-F238E27FC236}">
-                <a16:creationId xmlns:a16="http://schemas.microsoft.com/office/drawing/2014/main" xmlns="" id="{C24A86AD-3169-4B06-8651-C72356735514}"/>
+                <a16:creationId xmlns:a16="http://schemas.microsoft.com/office/drawing/2014/main" id="{C24A86AD-3169-4B06-8651-C72356735514}"/>
               </a:ext>
             </a:extLst>
           </p:cNvPr>
@@ -2114,7 +2114,7 @@
           <p:cNvPr id="4" name="Номер слайда 3">
             <a:extLst>
               <a:ext uri="{FF2B5EF4-FFF2-40B4-BE49-F238E27FC236}">
-                <a16:creationId xmlns:a16="http://schemas.microsoft.com/office/drawing/2014/main" xmlns="" id="{B09EAFFA-3D0D-4A9A-BCAB-D40444B1E93D}"/>
+                <a16:creationId xmlns:a16="http://schemas.microsoft.com/office/drawing/2014/main" id="{B09EAFFA-3D0D-4A9A-BCAB-D40444B1E93D}"/>
               </a:ext>
             </a:extLst>
           </p:cNvPr>
@@ -2173,7 +2173,7 @@
           <p:cNvPr id="2" name="Заголовок 1">
             <a:extLst>
               <a:ext uri="{FF2B5EF4-FFF2-40B4-BE49-F238E27FC236}">
-                <a16:creationId xmlns:a16="http://schemas.microsoft.com/office/drawing/2014/main" xmlns="" id="{20372919-318C-4A59-9566-7C1BF180BE78}"/>
+                <a16:creationId xmlns:a16="http://schemas.microsoft.com/office/drawing/2014/main" id="{20372919-318C-4A59-9566-7C1BF180BE78}"/>
               </a:ext>
             </a:extLst>
           </p:cNvPr>
@@ -2210,7 +2210,7 @@
           <p:cNvPr id="3" name="Объект 2">
             <a:extLst>
               <a:ext uri="{FF2B5EF4-FFF2-40B4-BE49-F238E27FC236}">
-                <a16:creationId xmlns:a16="http://schemas.microsoft.com/office/drawing/2014/main" xmlns="" id="{270AC354-D334-437D-9DC4-D35697A81134}"/>
+                <a16:creationId xmlns:a16="http://schemas.microsoft.com/office/drawing/2014/main" id="{270AC354-D334-437D-9DC4-D35697A81134}"/>
               </a:ext>
             </a:extLst>
           </p:cNvPr>
@@ -2300,7 +2300,7 @@
           <p:cNvPr id="4" name="Текст 3">
             <a:extLst>
               <a:ext uri="{FF2B5EF4-FFF2-40B4-BE49-F238E27FC236}">
-                <a16:creationId xmlns:a16="http://schemas.microsoft.com/office/drawing/2014/main" xmlns="" id="{34572D75-5E20-420E-97E5-5C864FC3985A}"/>
+                <a16:creationId xmlns:a16="http://schemas.microsoft.com/office/drawing/2014/main" id="{34572D75-5E20-420E-97E5-5C864FC3985A}"/>
               </a:ext>
             </a:extLst>
           </p:cNvPr>
@@ -2371,7 +2371,7 @@
           <p:cNvPr id="5" name="Дата 4">
             <a:extLst>
               <a:ext uri="{FF2B5EF4-FFF2-40B4-BE49-F238E27FC236}">
-                <a16:creationId xmlns:a16="http://schemas.microsoft.com/office/drawing/2014/main" xmlns="" id="{060F91F2-41ED-486B-BD4D-DCB9CC97A1BC}"/>
+                <a16:creationId xmlns:a16="http://schemas.microsoft.com/office/drawing/2014/main" id="{060F91F2-41ED-486B-BD4D-DCB9CC97A1BC}"/>
               </a:ext>
             </a:extLst>
           </p:cNvPr>
@@ -2389,7 +2389,7 @@
           <a:p>
             <a:fld id="{2EC7E9BE-4148-447C-A64C-A4FBC07E1971}" type="datetimeFigureOut">
               <a:rPr lang="ru-RU" smtClean="0"/>
-              <a:t>26.10.2018</a:t>
+              <a:t>31.10.2018</a:t>
             </a:fld>
             <a:endParaRPr lang="ru-RU"/>
           </a:p>
@@ -2400,7 +2400,7 @@
           <p:cNvPr id="6" name="Нижний колонтитул 5">
             <a:extLst>
               <a:ext uri="{FF2B5EF4-FFF2-40B4-BE49-F238E27FC236}">
-                <a16:creationId xmlns:a16="http://schemas.microsoft.com/office/drawing/2014/main" xmlns="" id="{E4E059B7-6447-4DAA-B095-058EE8B23B52}"/>
+                <a16:creationId xmlns:a16="http://schemas.microsoft.com/office/drawing/2014/main" id="{E4E059B7-6447-4DAA-B095-058EE8B23B52}"/>
               </a:ext>
             </a:extLst>
           </p:cNvPr>
@@ -2425,7 +2425,7 @@
           <p:cNvPr id="7" name="Номер слайда 6">
             <a:extLst>
               <a:ext uri="{FF2B5EF4-FFF2-40B4-BE49-F238E27FC236}">
-                <a16:creationId xmlns:a16="http://schemas.microsoft.com/office/drawing/2014/main" xmlns="" id="{CD8E9AC2-A987-465F-9059-F57F8E356D7D}"/>
+                <a16:creationId xmlns:a16="http://schemas.microsoft.com/office/drawing/2014/main" id="{CD8E9AC2-A987-465F-9059-F57F8E356D7D}"/>
               </a:ext>
             </a:extLst>
           </p:cNvPr>
@@ -2484,7 +2484,7 @@
           <p:cNvPr id="2" name="Заголовок 1">
             <a:extLst>
               <a:ext uri="{FF2B5EF4-FFF2-40B4-BE49-F238E27FC236}">
-                <a16:creationId xmlns:a16="http://schemas.microsoft.com/office/drawing/2014/main" xmlns="" id="{6494DCAD-838A-41BC-8997-C55124EC1C45}"/>
+                <a16:creationId xmlns:a16="http://schemas.microsoft.com/office/drawing/2014/main" id="{6494DCAD-838A-41BC-8997-C55124EC1C45}"/>
               </a:ext>
             </a:extLst>
           </p:cNvPr>
@@ -2521,7 +2521,7 @@
           <p:cNvPr id="3" name="Рисунок 2">
             <a:extLst>
               <a:ext uri="{FF2B5EF4-FFF2-40B4-BE49-F238E27FC236}">
-                <a16:creationId xmlns:a16="http://schemas.microsoft.com/office/drawing/2014/main" xmlns="" id="{6B33F7C3-8FE0-42B4-95AF-D03F57B21AAE}"/>
+                <a16:creationId xmlns:a16="http://schemas.microsoft.com/office/drawing/2014/main" id="{6B33F7C3-8FE0-42B4-95AF-D03F57B21AAE}"/>
               </a:ext>
             </a:extLst>
           </p:cNvPr>
@@ -2588,7 +2588,7 @@
           <p:cNvPr id="4" name="Текст 3">
             <a:extLst>
               <a:ext uri="{FF2B5EF4-FFF2-40B4-BE49-F238E27FC236}">
-                <a16:creationId xmlns:a16="http://schemas.microsoft.com/office/drawing/2014/main" xmlns="" id="{2003ABF6-F8DA-4C74-AEEF-C912F52AE7F5}"/>
+                <a16:creationId xmlns:a16="http://schemas.microsoft.com/office/drawing/2014/main" id="{2003ABF6-F8DA-4C74-AEEF-C912F52AE7F5}"/>
               </a:ext>
             </a:extLst>
           </p:cNvPr>
@@ -2659,7 +2659,7 @@
           <p:cNvPr id="5" name="Дата 4">
             <a:extLst>
               <a:ext uri="{FF2B5EF4-FFF2-40B4-BE49-F238E27FC236}">
-                <a16:creationId xmlns:a16="http://schemas.microsoft.com/office/drawing/2014/main" xmlns="" id="{ED4E4BAE-9CF9-4C8E-A823-E3E9991662F4}"/>
+                <a16:creationId xmlns:a16="http://schemas.microsoft.com/office/drawing/2014/main" id="{ED4E4BAE-9CF9-4C8E-A823-E3E9991662F4}"/>
               </a:ext>
             </a:extLst>
           </p:cNvPr>
@@ -2677,7 +2677,7 @@
           <a:p>
             <a:fld id="{2EC7E9BE-4148-447C-A64C-A4FBC07E1971}" type="datetimeFigureOut">
               <a:rPr lang="ru-RU" smtClean="0"/>
-              <a:t>26.10.2018</a:t>
+              <a:t>31.10.2018</a:t>
             </a:fld>
             <a:endParaRPr lang="ru-RU"/>
           </a:p>
@@ -2688,7 +2688,7 @@
           <p:cNvPr id="6" name="Нижний колонтитул 5">
             <a:extLst>
               <a:ext uri="{FF2B5EF4-FFF2-40B4-BE49-F238E27FC236}">
-                <a16:creationId xmlns:a16="http://schemas.microsoft.com/office/drawing/2014/main" xmlns="" id="{04EA8E47-2F6E-4B6D-8142-1089307038BE}"/>
+                <a16:creationId xmlns:a16="http://schemas.microsoft.com/office/drawing/2014/main" id="{04EA8E47-2F6E-4B6D-8142-1089307038BE}"/>
               </a:ext>
             </a:extLst>
           </p:cNvPr>
@@ -2713,7 +2713,7 @@
           <p:cNvPr id="7" name="Номер слайда 6">
             <a:extLst>
               <a:ext uri="{FF2B5EF4-FFF2-40B4-BE49-F238E27FC236}">
-                <a16:creationId xmlns:a16="http://schemas.microsoft.com/office/drawing/2014/main" xmlns="" id="{638FAC20-623A-498A-9B1F-665DAA3A9BC6}"/>
+                <a16:creationId xmlns:a16="http://schemas.microsoft.com/office/drawing/2014/main" id="{638FAC20-623A-498A-9B1F-665DAA3A9BC6}"/>
               </a:ext>
             </a:extLst>
           </p:cNvPr>
@@ -2777,7 +2777,7 @@
           <p:cNvPr id="2" name="Заголовок 1">
             <a:extLst>
               <a:ext uri="{FF2B5EF4-FFF2-40B4-BE49-F238E27FC236}">
-                <a16:creationId xmlns:a16="http://schemas.microsoft.com/office/drawing/2014/main" xmlns="" id="{8318D21C-37E6-4D86-BC8D-64C726B8B3DB}"/>
+                <a16:creationId xmlns:a16="http://schemas.microsoft.com/office/drawing/2014/main" id="{8318D21C-37E6-4D86-BC8D-64C726B8B3DB}"/>
               </a:ext>
             </a:extLst>
           </p:cNvPr>
@@ -2815,7 +2815,7 @@
           <p:cNvPr id="3" name="Текст 2">
             <a:extLst>
               <a:ext uri="{FF2B5EF4-FFF2-40B4-BE49-F238E27FC236}">
-                <a16:creationId xmlns:a16="http://schemas.microsoft.com/office/drawing/2014/main" xmlns="" id="{25BE8C30-2DA9-4B30-893A-159AB9191912}"/>
+                <a16:creationId xmlns:a16="http://schemas.microsoft.com/office/drawing/2014/main" id="{25BE8C30-2DA9-4B30-893A-159AB9191912}"/>
               </a:ext>
             </a:extLst>
           </p:cNvPr>
@@ -2882,7 +2882,7 @@
           <p:cNvPr id="4" name="Дата 3">
             <a:extLst>
               <a:ext uri="{FF2B5EF4-FFF2-40B4-BE49-F238E27FC236}">
-                <a16:creationId xmlns:a16="http://schemas.microsoft.com/office/drawing/2014/main" xmlns="" id="{F2B719FC-0AEC-4D93-9168-15BC45D27315}"/>
+                <a16:creationId xmlns:a16="http://schemas.microsoft.com/office/drawing/2014/main" id="{F2B719FC-0AEC-4D93-9168-15BC45D27315}"/>
               </a:ext>
             </a:extLst>
           </p:cNvPr>
@@ -2918,7 +2918,7 @@
           <a:p>
             <a:fld id="{2EC7E9BE-4148-447C-A64C-A4FBC07E1971}" type="datetimeFigureOut">
               <a:rPr lang="ru-RU" smtClean="0"/>
-              <a:t>26.10.2018</a:t>
+              <a:t>31.10.2018</a:t>
             </a:fld>
             <a:endParaRPr lang="ru-RU"/>
           </a:p>
@@ -2929,7 +2929,7 @@
           <p:cNvPr id="5" name="Нижний колонтитул 4">
             <a:extLst>
               <a:ext uri="{FF2B5EF4-FFF2-40B4-BE49-F238E27FC236}">
-                <a16:creationId xmlns:a16="http://schemas.microsoft.com/office/drawing/2014/main" xmlns="" id="{16FF13D8-F3A2-4AC2-8A3A-34799BF37C84}"/>
+                <a16:creationId xmlns:a16="http://schemas.microsoft.com/office/drawing/2014/main" id="{16FF13D8-F3A2-4AC2-8A3A-34799BF37C84}"/>
               </a:ext>
             </a:extLst>
           </p:cNvPr>
@@ -2972,7 +2972,7 @@
           <p:cNvPr id="6" name="Номер слайда 5">
             <a:extLst>
               <a:ext uri="{FF2B5EF4-FFF2-40B4-BE49-F238E27FC236}">
-                <a16:creationId xmlns:a16="http://schemas.microsoft.com/office/drawing/2014/main" xmlns="" id="{26DA0F6D-61CD-4746-8581-48E89BE7159E}"/>
+                <a16:creationId xmlns:a16="http://schemas.microsoft.com/office/drawing/2014/main" id="{26DA0F6D-61CD-4746-8581-48E89BE7159E}"/>
               </a:ext>
             </a:extLst>
           </p:cNvPr>
@@ -3340,7 +3340,7 @@
           <p:cNvPr id="2" name="Заголовок 1">
             <a:extLst>
               <a:ext uri="{FF2B5EF4-FFF2-40B4-BE49-F238E27FC236}">
-                <a16:creationId xmlns:a16="http://schemas.microsoft.com/office/drawing/2014/main" xmlns="" id="{7B8D0143-4858-4A99-A0F7-D3E0FC611410}"/>
+                <a16:creationId xmlns:a16="http://schemas.microsoft.com/office/drawing/2014/main" id="{7B8D0143-4858-4A99-A0F7-D3E0FC611410}"/>
               </a:ext>
             </a:extLst>
           </p:cNvPr>
@@ -3375,7 +3375,7 @@
           <p:cNvPr id="3" name="Подзаголовок 2">
             <a:extLst>
               <a:ext uri="{FF2B5EF4-FFF2-40B4-BE49-F238E27FC236}">
-                <a16:creationId xmlns:a16="http://schemas.microsoft.com/office/drawing/2014/main" xmlns="" id="{65C36D93-E5BF-4C2D-B358-3AA172C38D9C}"/>
+                <a16:creationId xmlns:a16="http://schemas.microsoft.com/office/drawing/2014/main" id="{65C36D93-E5BF-4C2D-B358-3AA172C38D9C}"/>
               </a:ext>
             </a:extLst>
           </p:cNvPr>
@@ -3444,13 +3444,6 @@
   <p:clrMapOvr>
     <a:masterClrMapping/>
   </p:clrMapOvr>
-  <p:timing>
-    <p:tnLst>
-      <p:par>
-        <p:cTn id="1" dur="indefinite" restart="never" nodeType="tmRoot"/>
-      </p:par>
-    </p:tnLst>
-  </p:timing>
 </p:sld>
 </file>
 
@@ -3476,7 +3469,7 @@
           <p:cNvPr id="2" name="Заголовок 1">
             <a:extLst>
               <a:ext uri="{FF2B5EF4-FFF2-40B4-BE49-F238E27FC236}">
-                <a16:creationId xmlns:a16="http://schemas.microsoft.com/office/drawing/2014/main" xmlns="" id="{84E11AD0-9527-4737-A86D-1026D79A7A7E}"/>
+                <a16:creationId xmlns:a16="http://schemas.microsoft.com/office/drawing/2014/main" id="{84E11AD0-9527-4737-A86D-1026D79A7A7E}"/>
               </a:ext>
             </a:extLst>
           </p:cNvPr>
@@ -3504,7 +3497,7 @@
           <p:cNvPr id="3" name="Объект 2">
             <a:extLst>
               <a:ext uri="{FF2B5EF4-FFF2-40B4-BE49-F238E27FC236}">
-                <a16:creationId xmlns:a16="http://schemas.microsoft.com/office/drawing/2014/main" xmlns="" id="{D0278F11-3444-4FB0-B317-832A809AA461}"/>
+                <a16:creationId xmlns:a16="http://schemas.microsoft.com/office/drawing/2014/main" id="{D0278F11-3444-4FB0-B317-832A809AA461}"/>
               </a:ext>
             </a:extLst>
           </p:cNvPr>
@@ -3563,13 +3556,6 @@
   <p:clrMapOvr>
     <a:masterClrMapping/>
   </p:clrMapOvr>
-  <p:timing>
-    <p:tnLst>
-      <p:par>
-        <p:cTn id="1" dur="indefinite" restart="never" nodeType="tmRoot"/>
-      </p:par>
-    </p:tnLst>
-  </p:timing>
 </p:sld>
 </file>
 
@@ -3595,7 +3581,7 @@
           <p:cNvPr id="2" name="Заголовок 1">
             <a:extLst>
               <a:ext uri="{FF2B5EF4-FFF2-40B4-BE49-F238E27FC236}">
-                <a16:creationId xmlns:a16="http://schemas.microsoft.com/office/drawing/2014/main" xmlns="" id="{C792A231-5377-45A2-BCD4-076DD83A7E24}"/>
+                <a16:creationId xmlns:a16="http://schemas.microsoft.com/office/drawing/2014/main" id="{C792A231-5377-45A2-BCD4-076DD83A7E24}"/>
               </a:ext>
             </a:extLst>
           </p:cNvPr>
@@ -3623,7 +3609,7 @@
           <p:cNvPr id="3" name="Объект 2">
             <a:extLst>
               <a:ext uri="{FF2B5EF4-FFF2-40B4-BE49-F238E27FC236}">
-                <a16:creationId xmlns:a16="http://schemas.microsoft.com/office/drawing/2014/main" xmlns="" id="{550E2B7B-231B-4F9A-89C3-4C3A6715FB1D}"/>
+                <a16:creationId xmlns:a16="http://schemas.microsoft.com/office/drawing/2014/main" id="{550E2B7B-231B-4F9A-89C3-4C3A6715FB1D}"/>
               </a:ext>
             </a:extLst>
           </p:cNvPr>
@@ -3723,13 +3709,6 @@
   <p:clrMapOvr>
     <a:masterClrMapping/>
   </p:clrMapOvr>
-  <p:timing>
-    <p:tnLst>
-      <p:par>
-        <p:cTn id="1" dur="indefinite" restart="never" nodeType="tmRoot"/>
-      </p:par>
-    </p:tnLst>
-  </p:timing>
 </p:sld>
 </file>
 
@@ -3755,7 +3734,7 @@
           <p:cNvPr id="2" name="Заголовок 1">
             <a:extLst>
               <a:ext uri="{FF2B5EF4-FFF2-40B4-BE49-F238E27FC236}">
-                <a16:creationId xmlns:a16="http://schemas.microsoft.com/office/drawing/2014/main" xmlns="" id="{459442D2-6E46-4C86-A329-A26CDBBBE82D}"/>
+                <a16:creationId xmlns:a16="http://schemas.microsoft.com/office/drawing/2014/main" id="{459442D2-6E46-4C86-A329-A26CDBBBE82D}"/>
               </a:ext>
             </a:extLst>
           </p:cNvPr>
@@ -3783,7 +3762,7 @@
           <p:cNvPr id="3" name="Объект 2">
             <a:extLst>
               <a:ext uri="{FF2B5EF4-FFF2-40B4-BE49-F238E27FC236}">
-                <a16:creationId xmlns:a16="http://schemas.microsoft.com/office/drawing/2014/main" xmlns="" id="{999995BA-2D3C-408C-A47F-EF5D40719E59}"/>
+                <a16:creationId xmlns:a16="http://schemas.microsoft.com/office/drawing/2014/main" id="{999995BA-2D3C-408C-A47F-EF5D40719E59}"/>
               </a:ext>
             </a:extLst>
           </p:cNvPr>
@@ -3879,13 +3858,6 @@
   <p:clrMapOvr>
     <a:masterClrMapping/>
   </p:clrMapOvr>
-  <p:timing>
-    <p:tnLst>
-      <p:par>
-        <p:cTn id="1" dur="indefinite" restart="never" nodeType="tmRoot"/>
-      </p:par>
-    </p:tnLst>
-  </p:timing>
 </p:sld>
 </file>
 
@@ -3911,7 +3883,7 @@
           <p:cNvPr id="2" name="Заголовок 1">
             <a:extLst>
               <a:ext uri="{FF2B5EF4-FFF2-40B4-BE49-F238E27FC236}">
-                <a16:creationId xmlns:a16="http://schemas.microsoft.com/office/drawing/2014/main" xmlns="" id="{459442D2-6E46-4C86-A329-A26CDBBBE82D}"/>
+                <a16:creationId xmlns:a16="http://schemas.microsoft.com/office/drawing/2014/main" id="{459442D2-6E46-4C86-A329-A26CDBBBE82D}"/>
               </a:ext>
             </a:extLst>
           </p:cNvPr>
@@ -3928,10 +3900,9 @@
           <a:lstStyle/>
           <a:p>
             <a:r>
-              <a:rPr lang="ru-RU" dirty="0" smtClean="0"/>
+              <a:rPr lang="ru-RU" dirty="0"/>
               <a:t>Распределение работы</a:t>
             </a:r>
-            <a:endParaRPr lang="ru-RU" dirty="0"/>
           </a:p>
         </p:txBody>
       </p:sp>
@@ -3940,7 +3911,7 @@
           <p:cNvPr id="3" name="Объект 2">
             <a:extLst>
               <a:ext uri="{FF2B5EF4-FFF2-40B4-BE49-F238E27FC236}">
-                <a16:creationId xmlns:a16="http://schemas.microsoft.com/office/drawing/2014/main" xmlns="" id="{999995BA-2D3C-408C-A47F-EF5D40719E59}"/>
+                <a16:creationId xmlns:a16="http://schemas.microsoft.com/office/drawing/2014/main" id="{999995BA-2D3C-408C-A47F-EF5D40719E59}"/>
               </a:ext>
             </a:extLst>
           </p:cNvPr>
@@ -3963,78 +3934,67 @@
           <a:p>
             <a:pPr lvl="0"/>
             <a:r>
-              <a:rPr lang="ru-RU" dirty="0" smtClean="0"/>
+              <a:rPr lang="ru-RU" dirty="0"/>
               <a:t>Работа с </a:t>
             </a:r>
             <a:r>
-              <a:rPr lang="en-US" dirty="0" err="1" smtClean="0"/>
+              <a:rPr lang="en-US" dirty="0" err="1"/>
               <a:t>google_api</a:t>
             </a:r>
             <a:r>
               <a:rPr lang="ru-RU" dirty="0"/>
-              <a:t> </a:t>
-            </a:r>
-            <a:r>
-              <a:rPr lang="ru-RU" dirty="0" smtClean="0"/>
-              <a:t>– Иванов Дмитрий</a:t>
-            </a:r>
-            <a:endParaRPr lang="ru-RU" dirty="0"/>
+              <a:t> – Иванов Дмитрий</a:t>
+            </a:r>
           </a:p>
           <a:p>
             <a:pPr lvl="0"/>
             <a:r>
-              <a:rPr lang="ru-RU" dirty="0" smtClean="0"/>
-              <a:t>Авторизация </a:t>
-            </a:r>
-            <a:r>
-              <a:rPr lang="ru-RU" dirty="0"/>
-              <a:t>на </a:t>
-            </a:r>
-            <a:r>
-              <a:rPr lang="ru-RU" dirty="0" err="1" smtClean="0"/>
+              <a:rPr lang="ru-RU" dirty="0"/>
+              <a:t>Авторизация на </a:t>
+            </a:r>
+            <a:r>
+              <a:rPr lang="ru-RU" dirty="0" err="1"/>
               <a:t>степике</a:t>
             </a:r>
             <a:r>
-              <a:rPr lang="ru-RU" dirty="0" smtClean="0"/>
+              <a:rPr lang="ru-RU" dirty="0"/>
               <a:t> и </a:t>
             </a:r>
             <a:r>
-              <a:rPr lang="en-US" dirty="0" smtClean="0"/>
+              <a:rPr lang="en-US" dirty="0"/>
               <a:t>front-end</a:t>
             </a:r>
             <a:r>
-              <a:rPr lang="ru-RU" dirty="0" smtClean="0"/>
+              <a:rPr lang="ru-RU" dirty="0"/>
               <a:t> – Носова Ольга</a:t>
             </a:r>
-            <a:endParaRPr lang="ru-RU" dirty="0"/>
           </a:p>
           <a:p>
             <a:pPr lvl="0"/>
             <a:r>
-              <a:rPr lang="ru-RU" dirty="0" smtClean="0"/>
+              <a:rPr lang="ru-RU" dirty="0"/>
               <a:t>Работа со </a:t>
             </a:r>
             <a:r>
-              <a:rPr lang="en-US" dirty="0" err="1" smtClean="0"/>
+              <a:rPr lang="en-US" dirty="0" err="1"/>
               <a:t>stepic_api</a:t>
             </a:r>
             <a:r>
-              <a:rPr lang="en-US" dirty="0" smtClean="0"/>
+              <a:rPr lang="en-US" dirty="0"/>
               <a:t> – </a:t>
             </a:r>
             <a:r>
-              <a:rPr lang="ru-RU" dirty="0" smtClean="0"/>
+              <a:rPr lang="ru-RU" dirty="0"/>
               <a:t>Зубов Константин, </a:t>
             </a:r>
             <a:r>
-              <a:rPr lang="ru-RU" dirty="0" err="1" smtClean="0"/>
+              <a:rPr lang="ru-RU" dirty="0" err="1"/>
               <a:t>Прозорова</a:t>
             </a:r>
             <a:r>
-              <a:rPr lang="ru-RU" dirty="0" smtClean="0"/>
+              <a:rPr lang="ru-RU" dirty="0"/>
               <a:t> Анастасия</a:t>
             </a:r>
-            <a:endParaRPr lang="ru-RU" dirty="0"/>
           </a:p>
           <a:p>
             <a:pPr marL="0" indent="0">
@@ -4054,13 +4014,6 @@
   <p:clrMapOvr>
     <a:masterClrMapping/>
   </p:clrMapOvr>
-  <p:timing>
-    <p:tnLst>
-      <p:par>
-        <p:cTn id="1" dur="indefinite" restart="never" nodeType="tmRoot"/>
-      </p:par>
-    </p:tnLst>
-  </p:timing>
 </p:sld>
 </file>
 
@@ -4086,7 +4039,7 @@
           <p:cNvPr id="2" name="Заголовок 1">
             <a:extLst>
               <a:ext uri="{FF2B5EF4-FFF2-40B4-BE49-F238E27FC236}">
-                <a16:creationId xmlns:a16="http://schemas.microsoft.com/office/drawing/2014/main" xmlns="" id="{F9B7C40C-ECC1-478E-AC35-52B269DCDF63}"/>
+                <a16:creationId xmlns:a16="http://schemas.microsoft.com/office/drawing/2014/main" id="{F9B7C40C-ECC1-478E-AC35-52B269DCDF63}"/>
               </a:ext>
             </a:extLst>
           </p:cNvPr>
@@ -4114,7 +4067,7 @@
           <p:cNvPr id="3" name="Объект 2">
             <a:extLst>
               <a:ext uri="{FF2B5EF4-FFF2-40B4-BE49-F238E27FC236}">
-                <a16:creationId xmlns:a16="http://schemas.microsoft.com/office/drawing/2014/main" xmlns="" id="{CCD259AD-DB25-47FB-9B0B-14E8D00383AE}"/>
+                <a16:creationId xmlns:a16="http://schemas.microsoft.com/office/drawing/2014/main" id="{CCD259AD-DB25-47FB-9B0B-14E8D00383AE}"/>
               </a:ext>
             </a:extLst>
           </p:cNvPr>
@@ -4125,102 +4078,129 @@
             <p:ph idx="1"/>
           </p:nvPr>
         </p:nvSpPr>
-        <p:spPr/>
+        <p:spPr>
+          <a:xfrm>
+            <a:off x="609600" y="1383322"/>
+            <a:ext cx="10744200" cy="5474677"/>
+          </a:xfrm>
+        </p:spPr>
         <p:txBody>
           <a:bodyPr>
-            <a:normAutofit fontScale="92500"/>
+            <a:normAutofit/>
           </a:bodyPr>
           <a:lstStyle/>
           <a:p>
-            <a:pPr lvl="0"/>
-            <a:r>
-              <a:rPr lang="ru-RU" dirty="0"/>
-              <a:t>Скачать проект </a:t>
-            </a:r>
-          </a:p>
-          <a:p>
-            <a:pPr lvl="0"/>
-            <a:r>
-              <a:rPr lang="ru-RU" dirty="0"/>
-              <a:t>Установить модули из файла requirements.txt</a:t>
-            </a:r>
-          </a:p>
-          <a:p>
-            <a:pPr lvl="0"/>
+            <a:r>
+              <a:rPr lang="ru-RU" dirty="0"/>
+              <a:t>Установить модули из файла </a:t>
+            </a:r>
+            <a:r>
+              <a:rPr lang="en-US" dirty="0"/>
+              <a:t>requirements.txt</a:t>
+            </a:r>
+          </a:p>
+          <a:p>
             <a:r>
               <a:rPr lang="ru-RU" dirty="0"/>
               <a:t>Создать приложение </a:t>
             </a:r>
             <a:r>
               <a:rPr lang="en-US" dirty="0" err="1"/>
-              <a:t>stepic</a:t>
-            </a:r>
-            <a:r>
-              <a:rPr lang="en-US" dirty="0"/>
-              <a:t> </a:t>
-            </a:r>
-            <a:r>
-              <a:rPr lang="ru-RU" dirty="0"/>
-              <a:t>(</a:t>
-            </a:r>
-            <a:r>
-              <a:rPr lang="ru-RU" u="sng" dirty="0">
+              <a:t>stepi</a:t>
+            </a:r>
+            <a:r>
+              <a:rPr lang="ru-RU" dirty="0"/>
+              <a:t>с:</a:t>
+            </a:r>
+          </a:p>
+          <a:p>
+            <a:pPr lvl="1"/>
+            <a:r>
+              <a:rPr lang="ru-RU" dirty="0"/>
+              <a:t>Перейти на </a:t>
+            </a:r>
+            <a:r>
+              <a:rPr lang="en-US" dirty="0">
                 <a:hlinkClick r:id="rId2"/>
               </a:rPr>
               <a:t>https://stepik.org/oauth2/applications/</a:t>
             </a:r>
-            <a:r>
-              <a:rPr lang="ru-RU" dirty="0"/>
-              <a:t>) С параметрами: </a:t>
-            </a:r>
-            <a:r>
-              <a:rPr lang="ru-RU" dirty="0" err="1"/>
-              <a:t>Client</a:t>
-            </a:r>
-            <a:r>
-              <a:rPr lang="ru-RU" dirty="0"/>
-              <a:t> </a:t>
-            </a:r>
-            <a:r>
-              <a:rPr lang="ru-RU" dirty="0" err="1"/>
-              <a:t>typ</a:t>
+            <a:endParaRPr lang="en-US" dirty="0"/>
+          </a:p>
+          <a:p>
+            <a:pPr lvl="1"/>
+            <a:r>
+              <a:rPr lang="ru-RU" dirty="0"/>
+              <a:t>Создать приложение с параметрами: </a:t>
             </a:r>
             <a:r>
               <a:rPr lang="en-US" dirty="0"/>
-              <a:t>e – confidential; Authorization Grant Type - authorization-code; Redirect Uris - http://127.0.0.1:5000/auth/login</a:t>
-            </a:r>
-            <a:endParaRPr lang="ru-RU" dirty="0"/>
-          </a:p>
-          <a:p>
-            <a:pPr lvl="0"/>
-            <a:r>
-              <a:rPr lang="ru-RU" dirty="0"/>
-              <a:t>Создать файл /</a:t>
-            </a:r>
-            <a:r>
-              <a:rPr lang="en-US" dirty="0" err="1" smtClean="0"/>
-              <a:t>stepic_client.json</a:t>
-            </a:r>
-            <a:r>
-              <a:rPr lang="ru-RU" dirty="0" smtClean="0"/>
-              <a:t> </a:t>
-            </a:r>
-            <a:r>
-              <a:rPr lang="ru-RU" dirty="0"/>
-              <a:t>из файла </a:t>
+              <a:t>Client type – confidential; Authorization Grant Type - authorization-code; Redirect Uris - </a:t>
+            </a:r>
+            <a:r>
+              <a:rPr lang="en-US" dirty="0">
+                <a:hlinkClick r:id="rId3"/>
+              </a:rPr>
+              <a:t>http://127.0.0.1:5000/auth/login</a:t>
+            </a:r>
+            <a:endParaRPr lang="en-US" dirty="0"/>
+          </a:p>
+          <a:p>
+            <a:pPr lvl="1"/>
+            <a:r>
+              <a:rPr lang="ru-RU" dirty="0"/>
+              <a:t>Скопировать "</a:t>
             </a:r>
             <a:r>
               <a:rPr lang="en-US" dirty="0" err="1"/>
-              <a:t>stepic_client.json.exampl</a:t>
-            </a:r>
-            <a:r>
-              <a:rPr lang="ru-RU" dirty="0"/>
-              <a:t>e заполнив поля </a:t>
+              <a:t>client_id</a:t>
+            </a:r>
+            <a:r>
+              <a:rPr lang="en-US" dirty="0"/>
+              <a:t>" </a:t>
+            </a:r>
+            <a:r>
+              <a:rPr lang="ru-RU" dirty="0"/>
+              <a:t>и "</a:t>
+            </a:r>
+            <a:r>
+              <a:rPr lang="en-US" dirty="0" err="1"/>
+              <a:t>client_secret</a:t>
             </a:r>
             <a:r>
               <a:rPr lang="en-US" dirty="0"/>
               <a:t>"</a:t>
             </a:r>
+          </a:p>
+          <a:p>
+            <a:r>
+              <a:rPr lang="ru-RU" dirty="0"/>
+              <a:t>Создать файл /</a:t>
+            </a:r>
+            <a:r>
+              <a:rPr lang="en-US" dirty="0" err="1"/>
+              <a:t>stepic_client.json</a:t>
+            </a:r>
+            <a:r>
+              <a:rPr lang="en-US" dirty="0"/>
+              <a:t> </a:t>
+            </a:r>
+            <a:r>
+              <a:rPr lang="ru-RU" dirty="0"/>
+              <a:t>из файла </a:t>
+            </a:r>
+            <a:r>
+              <a:rPr lang="en-US" dirty="0" err="1"/>
+              <a:t>stepic_client.json.example</a:t>
+            </a:r>
+            <a:r>
+              <a:rPr lang="en-US" dirty="0"/>
+              <a:t> </a:t>
+            </a:r>
+            <a:r>
+              <a:rPr lang="ru-RU" dirty="0"/>
+              <a:t>заполнив поля "</a:t>
+            </a:r>
             <a:r>
               <a:rPr lang="en-US" dirty="0" err="1"/>
               <a:t>client_id</a:t>
@@ -4237,13 +4217,8 @@
               <a:rPr lang="en-US" dirty="0"/>
               <a:t>"</a:t>
             </a:r>
-            <a:r>
-              <a:rPr lang="ru-RU" dirty="0"/>
-              <a:t> </a:t>
-            </a:r>
-          </a:p>
-          <a:p>
-            <a:pPr lvl="0"/>
+          </a:p>
+          <a:p>
             <a:r>
               <a:rPr lang="ru-RU" dirty="0"/>
               <a:t>Запросить у участника проекта доступ к </a:t>
@@ -4257,34 +4232,27 @@
               <a:t>api</a:t>
             </a:r>
             <a:r>
-              <a:rPr lang="ru-RU" dirty="0"/>
-              <a:t> (получить токен) и поместить в папку </a:t>
+              <a:rPr lang="en-US" dirty="0"/>
+              <a:t> (</a:t>
+            </a:r>
+            <a:r>
+              <a:rPr lang="ru-RU" dirty="0"/>
+              <a:t>получить токен) и поместить в папку </a:t>
             </a:r>
             <a:r>
               <a:rPr lang="en-US" dirty="0"/>
               <a:t>resources</a:t>
             </a:r>
-            <a:endParaRPr lang="ru-RU" dirty="0"/>
-          </a:p>
-          <a:p>
-            <a:pPr lvl="0"/>
+          </a:p>
+          <a:p>
             <a:r>
               <a:rPr lang="ru-RU" dirty="0"/>
               <a:t>Запустить приложение с помощью </a:t>
             </a:r>
             <a:r>
               <a:rPr lang="en-US" dirty="0"/>
-              <a:t>run</a:t>
-            </a:r>
-            <a:r>
-              <a:rPr lang="ru-RU" dirty="0"/>
-              <a:t>.</a:t>
-            </a:r>
-            <a:r>
-              <a:rPr lang="en-US" dirty="0"/>
-              <a:t>bat</a:t>
-            </a:r>
-            <a:endParaRPr lang="ru-RU" dirty="0"/>
+              <a:t>run.bat/run.sh</a:t>
+            </a:r>
           </a:p>
           <a:p>
             <a:endParaRPr lang="ru-RU" dirty="0"/>
@@ -4301,13 +4269,6 @@
   <p:clrMapOvr>
     <a:masterClrMapping/>
   </p:clrMapOvr>
-  <p:timing>
-    <p:tnLst>
-      <p:par>
-        <p:cTn id="1" dur="indefinite" restart="never" nodeType="tmRoot"/>
-      </p:par>
-    </p:tnLst>
-  </p:timing>
 </p:sld>
 </file>
 
@@ -4410,13 +4371,6 @@
   <p:clrMapOvr>
     <a:masterClrMapping/>
   </p:clrMapOvr>
-  <p:timing>
-    <p:tnLst>
-      <p:par>
-        <p:cTn id="1" dur="indefinite" restart="never" nodeType="tmRoot"/>
-      </p:par>
-    </p:tnLst>
-  </p:timing>
 </p:sld>
 </file>
 
@@ -4442,7 +4396,7 @@
           <p:cNvPr id="2" name="Заголовок 1">
             <a:extLst>
               <a:ext uri="{FF2B5EF4-FFF2-40B4-BE49-F238E27FC236}">
-                <a16:creationId xmlns:a16="http://schemas.microsoft.com/office/drawing/2014/main" xmlns="" id="{11BD8439-2D5D-4E26-8D4D-49437E5F25EC}"/>
+                <a16:creationId xmlns:a16="http://schemas.microsoft.com/office/drawing/2014/main" id="{11BD8439-2D5D-4E26-8D4D-49437E5F25EC}"/>
               </a:ext>
             </a:extLst>
           </p:cNvPr>
@@ -4500,13 +4454,6 @@
   <p:clrMapOvr>
     <a:masterClrMapping/>
   </p:clrMapOvr>
-  <p:timing>
-    <p:tnLst>
-      <p:par>
-        <p:cTn id="1" dur="indefinite" restart="never" nodeType="tmRoot"/>
-      </p:par>
-    </p:tnLst>
-  </p:timing>
 </p:sld>
 </file>
 
@@ -4599,13 +4546,6 @@
   <p:clrMapOvr>
     <a:masterClrMapping/>
   </p:clrMapOvr>
-  <p:timing>
-    <p:tnLst>
-      <p:par>
-        <p:cTn id="1" dur="indefinite" restart="never" nodeType="tmRoot"/>
-      </p:par>
-    </p:tnLst>
-  </p:timing>
 </p:sld>
 </file>
 
@@ -4631,7 +4571,7 @@
           <p:cNvPr id="2" name="Заголовок 1">
             <a:extLst>
               <a:ext uri="{FF2B5EF4-FFF2-40B4-BE49-F238E27FC236}">
-                <a16:creationId xmlns:a16="http://schemas.microsoft.com/office/drawing/2014/main" xmlns="" id="{8580AF0E-0142-4304-9757-2003ADA06A31}"/>
+                <a16:creationId xmlns:a16="http://schemas.microsoft.com/office/drawing/2014/main" id="{8580AF0E-0142-4304-9757-2003ADA06A31}"/>
               </a:ext>
             </a:extLst>
           </p:cNvPr>
@@ -4659,7 +4599,7 @@
           <p:cNvPr id="3" name="Объект 2">
             <a:extLst>
               <a:ext uri="{FF2B5EF4-FFF2-40B4-BE49-F238E27FC236}">
-                <a16:creationId xmlns:a16="http://schemas.microsoft.com/office/drawing/2014/main" xmlns="" id="{89BE0870-5663-4587-91A4-78F4D361C939}"/>
+                <a16:creationId xmlns:a16="http://schemas.microsoft.com/office/drawing/2014/main" id="{89BE0870-5663-4587-91A4-78F4D361C939}"/>
               </a:ext>
             </a:extLst>
           </p:cNvPr>
@@ -4683,29 +4623,13 @@
           <a:p>
             <a:r>
               <a:rPr lang="ru-RU" dirty="0"/>
-              <a:t>Не написаны </a:t>
-            </a:r>
-            <a:r>
-              <a:rPr lang="ru-RU" dirty="0" smtClean="0"/>
-              <a:t>Юнит-тесты </a:t>
-            </a:r>
-            <a:r>
-              <a:rPr lang="ru-RU" dirty="0"/>
-              <a:t>на часть функционала</a:t>
-            </a:r>
-          </a:p>
-          <a:p>
-            <a:r>
-              <a:rPr lang="ru-RU" dirty="0"/>
-              <a:t>Не обработаны некоторые </a:t>
-            </a:r>
-            <a:r>
-              <a:rPr lang="ru-RU" dirty="0" smtClean="0"/>
-              <a:t>исключительные </a:t>
-            </a:r>
-            <a:r>
-              <a:rPr lang="ru-RU" dirty="0"/>
-              <a:t>ситуации.</a:t>
+              <a:t>Не написаны Юнит-тесты на часть функционала</a:t>
+            </a:r>
+          </a:p>
+          <a:p>
+            <a:r>
+              <a:rPr lang="ru-RU" dirty="0"/>
+              <a:t>Не обработаны некоторые исключительные ситуации.</a:t>
             </a:r>
           </a:p>
           <a:p>
@@ -4726,13 +4650,6 @@
   <p:clrMapOvr>
     <a:masterClrMapping/>
   </p:clrMapOvr>
-  <p:timing>
-    <p:tnLst>
-      <p:par>
-        <p:cTn id="1" dur="indefinite" restart="never" nodeType="tmRoot"/>
-      </p:par>
-    </p:tnLst>
-  </p:timing>
 </p:sld>
 </file>
 
